--- a/poster_template/d1-ahm-poster-2016-v4.1.pptx
+++ b/poster_template/d1-ahm-poster-2016-v4.1.pptx
@@ -6540,96 +6540,6 @@
           </a:prstGeom>
         </p:spPr>
       </p:pic>
-      <p:pic>
-        <p:nvPicPr>
-          <p:cNvPr id="3" name="Picture 2"/>
-          <p:cNvPicPr>
-            <a:picLocks noChangeAspect="1"/>
-          </p:cNvPicPr>
-          <p:nvPr/>
-        </p:nvPicPr>
-        <p:blipFill>
-          <a:blip r:embed="rId12">
-            <a:extLst>
-              <a:ext uri="{28A0092B-C50C-407E-A947-70E740481C1C}">
-                <a14:useLocalDpi xmlns:a14="http://schemas.microsoft.com/office/drawing/2010/main" val="0"/>
-              </a:ext>
-            </a:extLst>
-          </a:blip>
-          <a:stretch>
-            <a:fillRect/>
-          </a:stretch>
-        </p:blipFill>
-        <p:spPr>
-          <a:xfrm>
-            <a:off x="16387788" y="5945633"/>
-            <a:ext cx="7243566" cy="3674411"/>
-          </a:xfrm>
-          <a:prstGeom prst="rect">
-            <a:avLst/>
-          </a:prstGeom>
-        </p:spPr>
-      </p:pic>
-      <p:pic>
-        <p:nvPicPr>
-          <p:cNvPr id="6" name="Picture 5"/>
-          <p:cNvPicPr>
-            <a:picLocks noChangeAspect="1"/>
-          </p:cNvPicPr>
-          <p:nvPr/>
-        </p:nvPicPr>
-        <p:blipFill>
-          <a:blip r:embed="rId13">
-            <a:extLst>
-              <a:ext uri="{28A0092B-C50C-407E-A947-70E740481C1C}">
-                <a14:useLocalDpi xmlns:a14="http://schemas.microsoft.com/office/drawing/2010/main" val="0"/>
-              </a:ext>
-            </a:extLst>
-          </a:blip>
-          <a:stretch>
-            <a:fillRect/>
-          </a:stretch>
-        </p:blipFill>
-        <p:spPr>
-          <a:xfrm>
-            <a:off x="11683492" y="5608903"/>
-            <a:ext cx="4861508" cy="4350396"/>
-          </a:xfrm>
-          <a:prstGeom prst="rect">
-            <a:avLst/>
-          </a:prstGeom>
-        </p:spPr>
-      </p:pic>
-      <p:pic>
-        <p:nvPicPr>
-          <p:cNvPr id="14" name="Picture 13"/>
-          <p:cNvPicPr>
-            <a:picLocks noChangeAspect="1"/>
-          </p:cNvPicPr>
-          <p:nvPr/>
-        </p:nvPicPr>
-        <p:blipFill>
-          <a:blip r:embed="rId14">
-            <a:extLst>
-              <a:ext uri="{28A0092B-C50C-407E-A947-70E740481C1C}">
-                <a14:useLocalDpi xmlns:a14="http://schemas.microsoft.com/office/drawing/2010/main" val="0"/>
-              </a:ext>
-            </a:extLst>
-          </a:blip>
-          <a:stretch>
-            <a:fillRect/>
-          </a:stretch>
-        </p:blipFill>
-        <p:spPr>
-          <a:xfrm>
-            <a:off x="16499639" y="10998037"/>
-            <a:ext cx="7019864" cy="6145905"/>
-          </a:xfrm>
-          <a:prstGeom prst="rect">
-            <a:avLst/>
-          </a:prstGeom>
-        </p:spPr>
-      </p:pic>
       <p:sp>
         <p:nvSpPr>
           <p:cNvPr id="17" name="TextBox 16"/>
@@ -6638,7 +6548,7 @@
         </p:nvSpPr>
         <p:spPr>
           <a:xfrm>
-            <a:off x="23645624" y="6321805"/>
+            <a:off x="25328511" y="6118043"/>
             <a:ext cx="6898044" cy="3139321"/>
           </a:xfrm>
           <a:prstGeom prst="rect">
@@ -7146,7 +7056,7 @@
         </p:nvSpPr>
         <p:spPr>
           <a:xfrm>
-            <a:off x="23645624" y="11735450"/>
+            <a:off x="25424982" y="11588441"/>
             <a:ext cx="6898044" cy="4801314"/>
           </a:xfrm>
           <a:prstGeom prst="rect">
@@ -8027,7 +7937,7 @@
           <p:nvPr/>
         </p:nvPicPr>
         <p:blipFill>
-          <a:blip r:embed="rId15">
+          <a:blip r:embed="rId12">
             <a:extLst>
               <a:ext uri="{28A0092B-C50C-407E-A947-70E740481C1C}">
                 <a14:useLocalDpi xmlns:a14="http://schemas.microsoft.com/office/drawing/2010/main" val="0"/>
@@ -9408,7 +9318,7 @@
         </p:nvSpPr>
         <p:spPr>
           <a:xfrm>
-            <a:off x="16596797" y="9494487"/>
+            <a:off x="17515918" y="9515865"/>
             <a:ext cx="6801923" cy="830997"/>
           </a:xfrm>
           <a:prstGeom prst="rect">
@@ -9456,7 +9366,7 @@
             </a:r>
             <a:r>
               <a:rPr lang="en-US" sz="1600" dirty="0" smtClean="0">
-                <a:hlinkClick r:id="rId16"/>
+                <a:hlinkClick r:id="rId13"/>
               </a:rPr>
               <a:t>C3_C4_map_ present_NA_with_comments.m</a:t>
             </a:r>
@@ -9472,8 +9382,8 @@
         </p:nvSpPr>
         <p:spPr>
           <a:xfrm>
-            <a:off x="17091646" y="17124744"/>
-            <a:ext cx="5835849" cy="830997"/>
+            <a:off x="16674302" y="17617187"/>
+            <a:ext cx="8476252" cy="584775"/>
           </a:xfrm>
           <a:prstGeom prst="rect">
             <a:avLst/>
@@ -9508,7 +9418,7 @@
             </a:r>
             <a:r>
               <a:rPr lang="en-US" sz="1600" dirty="0">
-                <a:hlinkClick r:id="rId17"/>
+                <a:hlinkClick r:id="rId14"/>
               </a:rPr>
               <a:t>GW150914_tutorial_uri.py</a:t>
             </a:r>
@@ -9524,8 +9434,8 @@
         </p:nvSpPr>
         <p:spPr>
           <a:xfrm>
-            <a:off x="11990010" y="9496827"/>
-            <a:ext cx="4248472" cy="830997"/>
+            <a:off x="11499175" y="9587969"/>
+            <a:ext cx="4940700" cy="584775"/>
           </a:xfrm>
           <a:prstGeom prst="rect">
             <a:avLst/>
@@ -9567,8 +9477,8 @@
               <a:t>for output data </a:t>
             </a:r>
             <a:r>
-              <a:rPr lang="en-US" sz="1600" b="1" dirty="0" smtClean="0"/>
-              <a:t>C3_fraction_data</a:t>
+              <a:rPr lang="en-US" sz="1600" b="1" dirty="0" err="1" smtClean="0"/>
+              <a:t>Grass_fraction_data</a:t>
             </a:r>
             <a:r>
               <a:rPr lang="en-US" sz="1600" dirty="0" smtClean="0"/>
@@ -9586,8 +9496,8 @@
         </p:nvSpPr>
         <p:spPr>
           <a:xfrm>
-            <a:off x="12398206" y="17124744"/>
-            <a:ext cx="2976023" cy="1077218"/>
+            <a:off x="11631982" y="17646706"/>
+            <a:ext cx="4761061" cy="584775"/>
           </a:xfrm>
           <a:prstGeom prst="rect">
             <a:avLst/>
@@ -9632,7 +9542,7 @@
         </p:nvSpPr>
         <p:spPr>
           <a:xfrm>
-            <a:off x="23641887" y="9594447"/>
+            <a:off x="25283134" y="9587970"/>
             <a:ext cx="6905517" cy="584775"/>
           </a:xfrm>
           <a:prstGeom prst="rect">
@@ -9694,8 +9604,8 @@
         </p:nvSpPr>
         <p:spPr>
           <a:xfrm>
-            <a:off x="23866201" y="17124744"/>
-            <a:ext cx="5542449" cy="830997"/>
+            <a:off x="25615566" y="17617186"/>
+            <a:ext cx="6516875" cy="584775"/>
           </a:xfrm>
           <a:prstGeom prst="rect">
             <a:avLst/>
@@ -9741,174 +9651,6 @@
               <a:t>. </a:t>
             </a:r>
             <a:endParaRPr lang="en-US" sz="1600" dirty="0"/>
-          </a:p>
-        </p:txBody>
-      </p:sp>
-      <p:sp>
-        <p:nvSpPr>
-          <p:cNvPr id="11" name="Curved Down Arrow 10"/>
-          <p:cNvSpPr/>
-          <p:nvPr/>
-        </p:nvSpPr>
-        <p:spPr>
-          <a:xfrm>
-            <a:off x="21825461" y="5782312"/>
-            <a:ext cx="2284566" cy="689903"/>
-          </a:xfrm>
-          <a:prstGeom prst="curvedDownArrow">
-            <a:avLst/>
-          </a:prstGeom>
-        </p:spPr>
-        <p:style>
-          <a:lnRef idx="1">
-            <a:schemeClr val="accent1"/>
-          </a:lnRef>
-          <a:fillRef idx="3">
-            <a:schemeClr val="accent1"/>
-          </a:fillRef>
-          <a:effectRef idx="2">
-            <a:schemeClr val="accent1"/>
-          </a:effectRef>
-          <a:fontRef idx="minor">
-            <a:schemeClr val="lt1"/>
-          </a:fontRef>
-        </p:style>
-        <p:txBody>
-          <a:bodyPr rtlCol="0" anchor="ctr"/>
-          <a:lstStyle/>
-          <a:p>
-            <a:pPr algn="ctr"/>
-            <a:endParaRPr lang="en-US">
-              <a:solidFill>
-                <a:schemeClr val="tx1"/>
-              </a:solidFill>
-            </a:endParaRPr>
-          </a:p>
-        </p:txBody>
-      </p:sp>
-      <p:sp>
-        <p:nvSpPr>
-          <p:cNvPr id="12" name="Curved Down Arrow 11"/>
-          <p:cNvSpPr/>
-          <p:nvPr/>
-        </p:nvSpPr>
-        <p:spPr>
-          <a:xfrm flipH="1">
-            <a:off x="15712043" y="5782312"/>
-            <a:ext cx="1980928" cy="647168"/>
-          </a:xfrm>
-          <a:prstGeom prst="curvedDownArrow">
-            <a:avLst/>
-          </a:prstGeom>
-        </p:spPr>
-        <p:style>
-          <a:lnRef idx="1">
-            <a:schemeClr val="accent1"/>
-          </a:lnRef>
-          <a:fillRef idx="3">
-            <a:schemeClr val="accent1"/>
-          </a:fillRef>
-          <a:effectRef idx="2">
-            <a:schemeClr val="accent1"/>
-          </a:effectRef>
-          <a:fontRef idx="minor">
-            <a:schemeClr val="lt1"/>
-          </a:fontRef>
-        </p:style>
-        <p:txBody>
-          <a:bodyPr rtlCol="0" anchor="ctr"/>
-          <a:lstStyle/>
-          <a:p>
-            <a:pPr algn="ctr"/>
-            <a:endParaRPr lang="en-US">
-              <a:solidFill>
-                <a:schemeClr val="tx1"/>
-              </a:solidFill>
-            </a:endParaRPr>
-          </a:p>
-        </p:txBody>
-      </p:sp>
-      <p:sp>
-        <p:nvSpPr>
-          <p:cNvPr id="52" name="Curved Down Arrow 51"/>
-          <p:cNvSpPr/>
-          <p:nvPr/>
-        </p:nvSpPr>
-        <p:spPr>
-          <a:xfrm flipH="1">
-            <a:off x="14816807" y="10679925"/>
-            <a:ext cx="2048793" cy="894647"/>
-          </a:xfrm>
-          <a:prstGeom prst="curvedDownArrow">
-            <a:avLst/>
-          </a:prstGeom>
-        </p:spPr>
-        <p:style>
-          <a:lnRef idx="1">
-            <a:schemeClr val="accent1"/>
-          </a:lnRef>
-          <a:fillRef idx="3">
-            <a:schemeClr val="accent1"/>
-          </a:fillRef>
-          <a:effectRef idx="2">
-            <a:schemeClr val="accent1"/>
-          </a:effectRef>
-          <a:fontRef idx="minor">
-            <a:schemeClr val="lt1"/>
-          </a:fontRef>
-        </p:style>
-        <p:txBody>
-          <a:bodyPr rtlCol="0" anchor="ctr"/>
-          <a:lstStyle/>
-          <a:p>
-            <a:pPr algn="ctr"/>
-            <a:endParaRPr lang="en-US">
-              <a:solidFill>
-                <a:schemeClr val="tx1"/>
-              </a:solidFill>
-            </a:endParaRPr>
-          </a:p>
-        </p:txBody>
-      </p:sp>
-      <p:sp>
-        <p:nvSpPr>
-          <p:cNvPr id="54" name="Curved Down Arrow 53"/>
-          <p:cNvSpPr/>
-          <p:nvPr/>
-        </p:nvSpPr>
-        <p:spPr>
-          <a:xfrm>
-            <a:off x="21947664" y="10816956"/>
-            <a:ext cx="2108851" cy="815489"/>
-          </a:xfrm>
-          <a:prstGeom prst="curvedDownArrow">
-            <a:avLst/>
-          </a:prstGeom>
-        </p:spPr>
-        <p:style>
-          <a:lnRef idx="1">
-            <a:schemeClr val="accent1"/>
-          </a:lnRef>
-          <a:fillRef idx="3">
-            <a:schemeClr val="accent1"/>
-          </a:fillRef>
-          <a:effectRef idx="2">
-            <a:schemeClr val="accent1"/>
-          </a:effectRef>
-          <a:fontRef idx="minor">
-            <a:schemeClr val="lt1"/>
-          </a:fontRef>
-        </p:style>
-        <p:txBody>
-          <a:bodyPr rtlCol="0" anchor="ctr"/>
-          <a:lstStyle/>
-          <a:p>
-            <a:pPr algn="ctr"/>
-            <a:endParaRPr lang="en-US">
-              <a:solidFill>
-                <a:schemeClr val="tx1"/>
-              </a:solidFill>
-            </a:endParaRPr>
           </a:p>
         </p:txBody>
       </p:sp>
@@ -9963,7 +9705,7 @@
           <p:nvPr/>
         </p:nvPicPr>
         <p:blipFill>
-          <a:blip r:embed="rId18"/>
+          <a:blip r:embed="rId15"/>
           <a:stretch>
             <a:fillRect/>
           </a:stretch>
@@ -9987,7 +9729,7 @@
           <p:nvPr/>
         </p:nvPicPr>
         <p:blipFill>
-          <a:blip r:embed="rId19"/>
+          <a:blip r:embed="rId16"/>
           <a:stretch>
             <a:fillRect/>
           </a:stretch>
@@ -10011,7 +9753,7 @@
           <p:nvPr/>
         </p:nvPicPr>
         <p:blipFill>
-          <a:blip r:embed="rId20">
+          <a:blip r:embed="rId17">
             <a:extLst>
               <a:ext uri="{28A0092B-C50C-407E-A947-70E740481C1C}">
                 <a14:useLocalDpi xmlns:a14="http://schemas.microsoft.com/office/drawing/2010/main" val="0"/>
@@ -10041,7 +9783,7 @@
           <p:nvPr/>
         </p:nvPicPr>
         <p:blipFill>
-          <a:blip r:embed="rId21"/>
+          <a:blip r:embed="rId18"/>
           <a:srcRect/>
           <a:stretch>
             <a:fillRect/>
@@ -10522,6 +10264,261 @@
               <a:latin typeface="Arial" pitchFamily="-108" charset="0"/>
               <a:ea typeface="ＭＳ Ｐゴシック" pitchFamily="-108" charset="-128"/>
               <a:cs typeface="ＭＳ Ｐゴシック" pitchFamily="-108" charset="-128"/>
+            </a:endParaRPr>
+          </a:p>
+        </p:txBody>
+      </p:sp>
+      <p:pic>
+        <p:nvPicPr>
+          <p:cNvPr id="10" name="Picture 9"/>
+          <p:cNvPicPr>
+            <a:picLocks noChangeAspect="1"/>
+          </p:cNvPicPr>
+          <p:nvPr/>
+        </p:nvPicPr>
+        <p:blipFill rotWithShape="1">
+          <a:blip r:embed="rId19">
+            <a:extLst>
+              <a:ext uri="{28A0092B-C50C-407E-A947-70E740481C1C}">
+                <a14:useLocalDpi xmlns:a14="http://schemas.microsoft.com/office/drawing/2010/main" val="0"/>
+              </a:ext>
+            </a:extLst>
+          </a:blip>
+          <a:srcRect l="5582" t="6427" r="4918" b="10175"/>
+          <a:stretch/>
+        </p:blipFill>
+        <p:spPr>
+          <a:xfrm>
+            <a:off x="11447750" y="5744689"/>
+            <a:ext cx="5019427" cy="3676700"/>
+          </a:xfrm>
+          <a:prstGeom prst="rect">
+            <a:avLst/>
+          </a:prstGeom>
+        </p:spPr>
+      </p:pic>
+      <p:pic>
+        <p:nvPicPr>
+          <p:cNvPr id="18" name="Picture 17"/>
+          <p:cNvPicPr>
+            <a:picLocks noChangeAspect="1"/>
+          </p:cNvPicPr>
+          <p:nvPr/>
+        </p:nvPicPr>
+        <p:blipFill rotWithShape="1">
+          <a:blip r:embed="rId20">
+            <a:extLst>
+              <a:ext uri="{28A0092B-C50C-407E-A947-70E740481C1C}">
+                <a14:useLocalDpi xmlns:a14="http://schemas.microsoft.com/office/drawing/2010/main" val="0"/>
+              </a:ext>
+            </a:extLst>
+          </a:blip>
+          <a:srcRect l="2963" t="4635" r="2663" b="7118"/>
+          <a:stretch/>
+        </p:blipFill>
+        <p:spPr>
+          <a:xfrm>
+            <a:off x="16699136" y="5581439"/>
+            <a:ext cx="8435489" cy="4001207"/>
+          </a:xfrm>
+          <a:prstGeom prst="rect">
+            <a:avLst/>
+          </a:prstGeom>
+        </p:spPr>
+      </p:pic>
+      <p:pic>
+        <p:nvPicPr>
+          <p:cNvPr id="20" name="Picture 19"/>
+          <p:cNvPicPr>
+            <a:picLocks noChangeAspect="1"/>
+          </p:cNvPicPr>
+          <p:nvPr/>
+        </p:nvPicPr>
+        <p:blipFill rotWithShape="1">
+          <a:blip r:embed="rId21">
+            <a:extLst>
+              <a:ext uri="{28A0092B-C50C-407E-A947-70E740481C1C}">
+                <a14:useLocalDpi xmlns:a14="http://schemas.microsoft.com/office/drawing/2010/main" val="0"/>
+              </a:ext>
+            </a:extLst>
+          </a:blip>
+          <a:srcRect l="2841" t="3181" r="2536" b="4012"/>
+          <a:stretch/>
+        </p:blipFill>
+        <p:spPr>
+          <a:xfrm>
+            <a:off x="16639207" y="10304139"/>
+            <a:ext cx="8546442" cy="7338816"/>
+          </a:xfrm>
+          <a:prstGeom prst="rect">
+            <a:avLst/>
+          </a:prstGeom>
+        </p:spPr>
+      </p:pic>
+      <p:sp>
+        <p:nvSpPr>
+          <p:cNvPr id="12" name="Curved Down Arrow 11"/>
+          <p:cNvSpPr/>
+          <p:nvPr/>
+        </p:nvSpPr>
+        <p:spPr>
+          <a:xfrm flipH="1">
+            <a:off x="15712043" y="5744688"/>
+            <a:ext cx="1980928" cy="647168"/>
+          </a:xfrm>
+          <a:prstGeom prst="curvedDownArrow">
+            <a:avLst/>
+          </a:prstGeom>
+        </p:spPr>
+        <p:style>
+          <a:lnRef idx="1">
+            <a:schemeClr val="accent1"/>
+          </a:lnRef>
+          <a:fillRef idx="3">
+            <a:schemeClr val="accent1"/>
+          </a:fillRef>
+          <a:effectRef idx="2">
+            <a:schemeClr val="accent1"/>
+          </a:effectRef>
+          <a:fontRef idx="minor">
+            <a:schemeClr val="lt1"/>
+          </a:fontRef>
+        </p:style>
+        <p:txBody>
+          <a:bodyPr rtlCol="0" anchor="ctr"/>
+          <a:lstStyle/>
+          <a:p>
+            <a:pPr algn="ctr"/>
+            <a:endParaRPr lang="en-US">
+              <a:solidFill>
+                <a:schemeClr val="tx1"/>
+              </a:solidFill>
+            </a:endParaRPr>
+          </a:p>
+        </p:txBody>
+      </p:sp>
+      <p:sp>
+        <p:nvSpPr>
+          <p:cNvPr id="11" name="Curved Down Arrow 10"/>
+          <p:cNvSpPr/>
+          <p:nvPr/>
+        </p:nvSpPr>
+        <p:spPr>
+          <a:xfrm>
+            <a:off x="24367562" y="5828222"/>
+            <a:ext cx="2284566" cy="689903"/>
+          </a:xfrm>
+          <a:prstGeom prst="curvedDownArrow">
+            <a:avLst/>
+          </a:prstGeom>
+        </p:spPr>
+        <p:style>
+          <a:lnRef idx="1">
+            <a:schemeClr val="accent1"/>
+          </a:lnRef>
+          <a:fillRef idx="3">
+            <a:schemeClr val="accent1"/>
+          </a:fillRef>
+          <a:effectRef idx="2">
+            <a:schemeClr val="accent1"/>
+          </a:effectRef>
+          <a:fontRef idx="minor">
+            <a:schemeClr val="lt1"/>
+          </a:fontRef>
+        </p:style>
+        <p:txBody>
+          <a:bodyPr rtlCol="0" anchor="ctr"/>
+          <a:lstStyle/>
+          <a:p>
+            <a:pPr algn="ctr"/>
+            <a:endParaRPr lang="en-US">
+              <a:solidFill>
+                <a:schemeClr val="tx1"/>
+              </a:solidFill>
+            </a:endParaRPr>
+          </a:p>
+        </p:txBody>
+      </p:sp>
+      <p:sp>
+        <p:nvSpPr>
+          <p:cNvPr id="54" name="Curved Down Arrow 53"/>
+          <p:cNvSpPr/>
+          <p:nvPr/>
+        </p:nvSpPr>
+        <p:spPr>
+          <a:xfrm>
+            <a:off x="24455419" y="10321060"/>
+            <a:ext cx="2108851" cy="815489"/>
+          </a:xfrm>
+          <a:prstGeom prst="curvedDownArrow">
+            <a:avLst/>
+          </a:prstGeom>
+        </p:spPr>
+        <p:style>
+          <a:lnRef idx="1">
+            <a:schemeClr val="accent1"/>
+          </a:lnRef>
+          <a:fillRef idx="3">
+            <a:schemeClr val="accent1"/>
+          </a:fillRef>
+          <a:effectRef idx="2">
+            <a:schemeClr val="accent1"/>
+          </a:effectRef>
+          <a:fontRef idx="minor">
+            <a:schemeClr val="lt1"/>
+          </a:fontRef>
+        </p:style>
+        <p:txBody>
+          <a:bodyPr rtlCol="0" anchor="ctr"/>
+          <a:lstStyle/>
+          <a:p>
+            <a:pPr algn="ctr"/>
+            <a:endParaRPr lang="en-US">
+              <a:solidFill>
+                <a:schemeClr val="tx1"/>
+              </a:solidFill>
+            </a:endParaRPr>
+          </a:p>
+        </p:txBody>
+      </p:sp>
+      <p:sp>
+        <p:nvSpPr>
+          <p:cNvPr id="52" name="Curved Down Arrow 51"/>
+          <p:cNvSpPr/>
+          <p:nvPr/>
+        </p:nvSpPr>
+        <p:spPr>
+          <a:xfrm flipH="1">
+            <a:off x="14929103" y="10172744"/>
+            <a:ext cx="2048793" cy="894647"/>
+          </a:xfrm>
+          <a:prstGeom prst="curvedDownArrow">
+            <a:avLst/>
+          </a:prstGeom>
+        </p:spPr>
+        <p:style>
+          <a:lnRef idx="1">
+            <a:schemeClr val="accent1"/>
+          </a:lnRef>
+          <a:fillRef idx="3">
+            <a:schemeClr val="accent1"/>
+          </a:fillRef>
+          <a:effectRef idx="2">
+            <a:schemeClr val="accent1"/>
+          </a:effectRef>
+          <a:fontRef idx="minor">
+            <a:schemeClr val="lt1"/>
+          </a:fontRef>
+        </p:style>
+        <p:txBody>
+          <a:bodyPr rtlCol="0" anchor="ctr"/>
+          <a:lstStyle/>
+          <a:p>
+            <a:pPr algn="ctr"/>
+            <a:endParaRPr lang="en-US">
+              <a:solidFill>
+                <a:schemeClr val="tx1"/>
+              </a:solidFill>
             </a:endParaRPr>
           </a:p>
         </p:txBody>
